--- a/Time_Wasters_on_Social_Media ppt.pptx
+++ b/Time_Wasters_on_Social_Media ppt.pptx
@@ -209,7 +209,7 @@
             <a:fld id="{9763F779-3FEB-4A25-91A2-9BD925A8F95F}" type="datetimeFigureOut">
               <a:rPr lang="en-US" smtClean="0"/>
               <a:pPr/>
-              <a:t>12/12/2024</a:t>
+              <a:t>1/30/2025</a:t>
             </a:fld>
             <a:endParaRPr lang="en-US"/>
           </a:p>
@@ -930,7 +930,7 @@
             <a:fld id="{5BCAD085-E8A6-8845-BD4E-CB4CCA059FC4}" type="datetimeFigureOut">
               <a:rPr lang="en-US" smtClean="0"/>
               <a:pPr/>
-              <a:t>12/12/2024</a:t>
+              <a:t>1/30/2025</a:t>
             </a:fld>
             <a:endParaRPr lang="en-US"/>
           </a:p>
@@ -1097,7 +1097,7 @@
             <a:fld id="{5BCAD085-E8A6-8845-BD4E-CB4CCA059FC4}" type="datetimeFigureOut">
               <a:rPr lang="en-US" smtClean="0"/>
               <a:pPr/>
-              <a:t>12/12/2024</a:t>
+              <a:t>1/30/2025</a:t>
             </a:fld>
             <a:endParaRPr lang="en-US"/>
           </a:p>
@@ -1274,7 +1274,7 @@
             <a:fld id="{5BCAD085-E8A6-8845-BD4E-CB4CCA059FC4}" type="datetimeFigureOut">
               <a:rPr lang="en-US" smtClean="0"/>
               <a:pPr/>
-              <a:t>12/12/2024</a:t>
+              <a:t>1/30/2025</a:t>
             </a:fld>
             <a:endParaRPr lang="en-US"/>
           </a:p>
@@ -1423,7 +1423,7 @@
             <a:fld id="{5BCAD085-E8A6-8845-BD4E-CB4CCA059FC4}" type="datetimeFigureOut">
               <a:rPr lang="en-US" smtClean="0"/>
               <a:pPr/>
-              <a:t>12/12/2024</a:t>
+              <a:t>1/30/2025</a:t>
             </a:fld>
             <a:endParaRPr lang="en-US"/>
           </a:p>
@@ -1542,7 +1542,7 @@
             <a:fld id="{5BCAD085-E8A6-8845-BD4E-CB4CCA059FC4}" type="datetimeFigureOut">
               <a:rPr lang="en-US" smtClean="0"/>
               <a:pPr/>
-              <a:t>12/12/2024</a:t>
+              <a:t>1/30/2025</a:t>
             </a:fld>
             <a:endParaRPr lang="en-US"/>
           </a:p>
@@ -1814,7 +1814,7 @@
             <a:fld id="{5BCAD085-E8A6-8845-BD4E-CB4CCA059FC4}" type="datetimeFigureOut">
               <a:rPr lang="en-US" smtClean="0"/>
               <a:pPr/>
-              <a:t>12/12/2024</a:t>
+              <a:t>1/30/2025</a:t>
             </a:fld>
             <a:endParaRPr lang="en-US"/>
           </a:p>
@@ -2086,7 +2086,7 @@
             <a:fld id="{5BCAD085-E8A6-8845-BD4E-CB4CCA059FC4}" type="datetimeFigureOut">
               <a:rPr lang="en-US" smtClean="0"/>
               <a:pPr/>
-              <a:t>12/12/2024</a:t>
+              <a:t>1/30/2025</a:t>
             </a:fld>
             <a:endParaRPr lang="en-US"/>
           </a:p>
@@ -2534,7 +2534,7 @@
             <a:fld id="{5BCAD085-E8A6-8845-BD4E-CB4CCA059FC4}" type="datetimeFigureOut">
               <a:rPr lang="en-US" smtClean="0"/>
               <a:pPr/>
-              <a:t>12/12/2024</a:t>
+              <a:t>1/30/2025</a:t>
             </a:fld>
             <a:endParaRPr lang="en-US"/>
           </a:p>
@@ -2649,7 +2649,7 @@
             <a:fld id="{5BCAD085-E8A6-8845-BD4E-CB4CCA059FC4}" type="datetimeFigureOut">
               <a:rPr lang="en-US" smtClean="0"/>
               <a:pPr/>
-              <a:t>12/12/2024</a:t>
+              <a:t>1/30/2025</a:t>
             </a:fld>
             <a:endParaRPr lang="en-US"/>
           </a:p>
@@ -2901,7 +2901,7 @@
             <a:fld id="{5BCAD085-E8A6-8845-BD4E-CB4CCA059FC4}" type="datetimeFigureOut">
               <a:rPr lang="en-US" smtClean="0"/>
               <a:pPr/>
-              <a:t>12/12/2024</a:t>
+              <a:t>1/30/2025</a:t>
             </a:fld>
             <a:endParaRPr lang="en-US"/>
           </a:p>
@@ -3143,7 +3143,7 @@
             <a:fld id="{5BCAD085-E8A6-8845-BD4E-CB4CCA059FC4}" type="datetimeFigureOut">
               <a:rPr lang="en-US" smtClean="0"/>
               <a:pPr/>
-              <a:t>12/12/2024</a:t>
+              <a:t>1/30/2025</a:t>
             </a:fld>
             <a:endParaRPr lang="en-US"/>
           </a:p>
@@ -3318,7 +3318,7 @@
             <a:fld id="{5BCAD085-E8A6-8845-BD4E-CB4CCA059FC4}" type="datetimeFigureOut">
               <a:rPr lang="en-US" smtClean="0"/>
               <a:pPr/>
-              <a:t>12/12/2024</a:t>
+              <a:t>1/30/2025</a:t>
             </a:fld>
             <a:endParaRPr lang="en-US"/>
           </a:p>
@@ -3812,14 +3812,7 @@
           </a:bodyPr>
           <a:lstStyle/>
           <a:p>
-            <a:r>
-              <a:t>Data Analysis and Visualization Project Report</a:t>
-            </a:r>
-          </a:p>
-          <a:p>
-            <a:r>
-              <a:t>Submitted by: Jordan R Sawkmie (24PGDDA16)</a:t>
-            </a:r>
+            <a:endParaRPr/>
           </a:p>
         </p:txBody>
       </p:sp>
@@ -5392,11 +5385,7 @@
             <a:pPr lvl="0"/>
             <a:r>
               <a:rPr lang="en-IN" sz="2400" dirty="0" smtClean="0"/>
-              <a:t>Content Interaction: Total time spent, number of videos watched, time spent per video, video category, and perceived usefulness</a:t>
-            </a:r>
-            <a:r>
-              <a:rPr lang="en-IN" sz="2400" dirty="0" smtClean="0"/>
-              <a:t>.</a:t>
+              <a:t>Content Interaction: Total time spent, number of videos watched, time spent per video, video category, and perceived usefulness.</a:t>
             </a:r>
             <a:endParaRPr sz="2400"/>
           </a:p>
@@ -5915,7 +5904,7 @@
           </a:ln>
           <a:extLst>
             <a:ext uri="{53640926-AAD7-44D8-BBD7-CCE9431645EC}">
-              <a14:shadowObscured xmlns="" xmlns:wpc="http://schemas.microsoft.com/office/word/2010/wordprocessingCanvas" xmlns:cx="http://schemas.microsoft.com/office/drawing/2014/chartex" xmlns:cx1="http://schemas.microsoft.com/office/drawing/2015/9/8/chartex" xmlns:cx2="http://schemas.microsoft.com/office/drawing/2015/10/21/chartex" xmlns:cx3="http://schemas.microsoft.com/office/drawing/2016/5/9/chartex" xmlns:cx4="http://schemas.microsoft.com/office/drawing/2016/5/10/chartex" xmlns:cx5="http://schemas.microsoft.com/office/drawing/2016/5/11/chartex" xmlns:cx6="http://schemas.microsoft.com/office/drawing/2016/5/12/chartex" xmlns:cx7="http://schemas.microsoft.com/office/drawing/2016/5/13/chartex" xmlns:cx8="http://schemas.microsoft.com/office/drawing/2016/5/14/chartex" xmlns:mc="http://schemas.openxmlformats.org/markup-compatibility/2006" xmlns:aink="http://schemas.microsoft.com/office/drawing/2016/ink" xmlns:am3d="http://schemas.microsoft.com/office/drawing/2017/model3d" xmlns:o="urn:schemas-microsoft-com:office:office" xmlns:oel="http://schemas.microsoft.com/office/2019/extlst" xmlns:m="http://schemas.openxmlformats.org/officeDocument/2006/math" xmlns:v="urn:schemas-microsoft-com:vml" xmlns:wp14="http://schemas.microsoft.com/office/word/2010/wordprocessingDrawing" xmlns:wp="http://schemas.openxmlformats.org/drawingml/2006/wordprocessingDrawing" xmlns:w10="urn:schemas-microsoft-com:office:word" xmlns:w="http://schemas.openxmlformats.org/wordprocessingml/2006/main" xmlns:w14="http://schemas.microsoft.com/office/word/2010/wordml" xmlns:w15="http://schemas.microsoft.com/office/word/2012/wordml" xmlns:w16cex="http://schemas.microsoft.com/office/word/2018/wordml/cex" xmlns:w16cid="http://schemas.microsoft.com/office/word/2016/wordml/cid" xmlns:w16="http://schemas.microsoft.com/office/word/2018/wordml" xmlns:w16du="http://schemas.microsoft.com/office/word/2023/wordml/word16du" xmlns:w16sdtdh="http://schemas.microsoft.com/office/word/2020/wordml/sdtdatahash" xmlns:w16se="http://schemas.microsoft.com/office/word/2015/wordml/symex" xmlns:wpg="http://schemas.microsoft.com/office/word/2010/wordprocessingGroup" xmlns:wpi="http://schemas.microsoft.com/office/word/2010/wordprocessingInk" xmlns:wne="http://schemas.microsoft.com/office/word/2006/wordml" xmlns:wps="http://schemas.microsoft.com/office/word/2010/wordprocessingShape" xmlns:a14="http://schemas.microsoft.com/office/drawing/2010/main" xmlns:pic="http://schemas.openxmlformats.org/drawingml/2006/picture" xmlns:lc="http://schemas.openxmlformats.org/drawingml/2006/lockedCanvas"/>
+              <a14:shadowObscured xmlns:lc="http://schemas.openxmlformats.org/drawingml/2006/lockedCanvas" xmlns:pic="http://schemas.openxmlformats.org/drawingml/2006/picture" xmlns:a14="http://schemas.microsoft.com/office/drawing/2010/main" xmlns:wps="http://schemas.microsoft.com/office/word/2010/wordprocessingShape" xmlns:wne="http://schemas.microsoft.com/office/word/2006/wordml" xmlns:wpi="http://schemas.microsoft.com/office/word/2010/wordprocessingInk" xmlns:wpg="http://schemas.microsoft.com/office/word/2010/wordprocessingGroup" xmlns:w16se="http://schemas.microsoft.com/office/word/2015/wordml/symex" xmlns:w16sdtdh="http://schemas.microsoft.com/office/word/2020/wordml/sdtdatahash" xmlns:w16du="http://schemas.microsoft.com/office/word/2023/wordml/word16du" xmlns:w16="http://schemas.microsoft.com/office/word/2018/wordml" xmlns:w16cid="http://schemas.microsoft.com/office/word/2016/wordml/cid" xmlns:w16cex="http://schemas.microsoft.com/office/word/2018/wordml/cex" xmlns:w15="http://schemas.microsoft.com/office/word/2012/wordml" xmlns:w14="http://schemas.microsoft.com/office/word/2010/wordml" xmlns:w="http://schemas.openxmlformats.org/wordprocessingml/2006/main" xmlns:w10="urn:schemas-microsoft-com:office:word" xmlns:wp="http://schemas.openxmlformats.org/drawingml/2006/wordprocessingDrawing" xmlns:wp14="http://schemas.microsoft.com/office/word/2010/wordprocessingDrawing" xmlns:v="urn:schemas-microsoft-com:vml" xmlns:m="http://schemas.openxmlformats.org/officeDocument/2006/math" xmlns:oel="http://schemas.microsoft.com/office/2019/extlst" xmlns:o="urn:schemas-microsoft-com:office:office" xmlns:am3d="http://schemas.microsoft.com/office/drawing/2017/model3d" xmlns:aink="http://schemas.microsoft.com/office/drawing/2016/ink" xmlns:mc="http://schemas.openxmlformats.org/markup-compatibility/2006" xmlns:cx8="http://schemas.microsoft.com/office/drawing/2016/5/14/chartex" xmlns:cx7="http://schemas.microsoft.com/office/drawing/2016/5/13/chartex" xmlns:cx6="http://schemas.microsoft.com/office/drawing/2016/5/12/chartex" xmlns:cx5="http://schemas.microsoft.com/office/drawing/2016/5/11/chartex" xmlns:cx4="http://schemas.microsoft.com/office/drawing/2016/5/10/chartex" xmlns:cx3="http://schemas.microsoft.com/office/drawing/2016/5/9/chartex" xmlns:cx2="http://schemas.microsoft.com/office/drawing/2015/10/21/chartex" xmlns:cx1="http://schemas.microsoft.com/office/drawing/2015/9/8/chartex" xmlns:cx="http://schemas.microsoft.com/office/drawing/2014/chartex" xmlns:wpc="http://schemas.microsoft.com/office/word/2010/wordprocessingCanvas" xmlns=""/>
             </a:ext>
           </a:extLst>
         </p:spPr>
